--- a/artwork/SplitsTree5-icon.pptx
+++ b/artwork/SplitsTree5-icon.pptx
@@ -6,6 +6,7 @@
   </p:sldMasterIdLst>
   <p:sldIdLst>
     <p:sldId id="256" r:id="rId2"/>
+    <p:sldId id="257" r:id="rId3"/>
   </p:sldIdLst>
   <p:sldSz cx="9144000" cy="6858000" type="screen4x3"/>
   <p:notesSz cx="6858000" cy="9144000"/>
@@ -288,7 +289,7 @@
           <a:p>
             <a:fld id="{1C8BF6C4-08AF-5841-8054-716EACEF0073}" type="datetimeFigureOut">
               <a:rPr lang="en-US" smtClean="0"/>
-              <a:t>6/27/17</a:t>
+              <a:t>3/21/18</a:t>
             </a:fld>
             <a:endParaRPr lang="en-US"/>
           </a:p>
@@ -458,7 +459,7 @@
           <a:p>
             <a:fld id="{1C8BF6C4-08AF-5841-8054-716EACEF0073}" type="datetimeFigureOut">
               <a:rPr lang="en-US" smtClean="0"/>
-              <a:t>6/27/17</a:t>
+              <a:t>3/21/18</a:t>
             </a:fld>
             <a:endParaRPr lang="en-US"/>
           </a:p>
@@ -638,7 +639,7 @@
           <a:p>
             <a:fld id="{1C8BF6C4-08AF-5841-8054-716EACEF0073}" type="datetimeFigureOut">
               <a:rPr lang="en-US" smtClean="0"/>
-              <a:t>6/27/17</a:t>
+              <a:t>3/21/18</a:t>
             </a:fld>
             <a:endParaRPr lang="en-US"/>
           </a:p>
@@ -808,7 +809,7 @@
           <a:p>
             <a:fld id="{1C8BF6C4-08AF-5841-8054-716EACEF0073}" type="datetimeFigureOut">
               <a:rPr lang="en-US" smtClean="0"/>
-              <a:t>6/27/17</a:t>
+              <a:t>3/21/18</a:t>
             </a:fld>
             <a:endParaRPr lang="en-US"/>
           </a:p>
@@ -1054,7 +1055,7 @@
           <a:p>
             <a:fld id="{1C8BF6C4-08AF-5841-8054-716EACEF0073}" type="datetimeFigureOut">
               <a:rPr lang="en-US" smtClean="0"/>
-              <a:t>6/27/17</a:t>
+              <a:t>3/21/18</a:t>
             </a:fld>
             <a:endParaRPr lang="en-US"/>
           </a:p>
@@ -1342,7 +1343,7 @@
           <a:p>
             <a:fld id="{1C8BF6C4-08AF-5841-8054-716EACEF0073}" type="datetimeFigureOut">
               <a:rPr lang="en-US" smtClean="0"/>
-              <a:t>6/27/17</a:t>
+              <a:t>3/21/18</a:t>
             </a:fld>
             <a:endParaRPr lang="en-US"/>
           </a:p>
@@ -1764,7 +1765,7 @@
           <a:p>
             <a:fld id="{1C8BF6C4-08AF-5841-8054-716EACEF0073}" type="datetimeFigureOut">
               <a:rPr lang="en-US" smtClean="0"/>
-              <a:t>6/27/17</a:t>
+              <a:t>3/21/18</a:t>
             </a:fld>
             <a:endParaRPr lang="en-US"/>
           </a:p>
@@ -1882,7 +1883,7 @@
           <a:p>
             <a:fld id="{1C8BF6C4-08AF-5841-8054-716EACEF0073}" type="datetimeFigureOut">
               <a:rPr lang="en-US" smtClean="0"/>
-              <a:t>6/27/17</a:t>
+              <a:t>3/21/18</a:t>
             </a:fld>
             <a:endParaRPr lang="en-US"/>
           </a:p>
@@ -1977,7 +1978,7 @@
           <a:p>
             <a:fld id="{1C8BF6C4-08AF-5841-8054-716EACEF0073}" type="datetimeFigureOut">
               <a:rPr lang="en-US" smtClean="0"/>
-              <a:t>6/27/17</a:t>
+              <a:t>3/21/18</a:t>
             </a:fld>
             <a:endParaRPr lang="en-US"/>
           </a:p>
@@ -2254,7 +2255,7 @@
           <a:p>
             <a:fld id="{1C8BF6C4-08AF-5841-8054-716EACEF0073}" type="datetimeFigureOut">
               <a:rPr lang="en-US" smtClean="0"/>
-              <a:t>6/27/17</a:t>
+              <a:t>3/21/18</a:t>
             </a:fld>
             <a:endParaRPr lang="en-US"/>
           </a:p>
@@ -2507,7 +2508,7 @@
           <a:p>
             <a:fld id="{1C8BF6C4-08AF-5841-8054-716EACEF0073}" type="datetimeFigureOut">
               <a:rPr lang="en-US" smtClean="0"/>
-              <a:t>6/27/17</a:t>
+              <a:t>3/21/18</a:t>
             </a:fld>
             <a:endParaRPr lang="en-US"/>
           </a:p>
@@ -2720,7 +2721,7 @@
           <a:p>
             <a:fld id="{1C8BF6C4-08AF-5841-8054-716EACEF0073}" type="datetimeFigureOut">
               <a:rPr lang="en-US" smtClean="0"/>
-              <a:t>6/27/17</a:t>
+              <a:t>3/21/18</a:t>
             </a:fld>
             <a:endParaRPr lang="en-US"/>
           </a:p>
@@ -3819,6 +3820,224 @@
 </p:sld>
 </file>
 
+<file path=ppt/slides/slide2.xml><?xml version="1.0" encoding="utf-8"?>
+<p:sld xmlns:a="http://schemas.openxmlformats.org/drawingml/2006/main" xmlns:r="http://schemas.openxmlformats.org/officeDocument/2006/relationships" xmlns:p="http://schemas.openxmlformats.org/presentationml/2006/main">
+  <p:cSld>
+    <p:spTree>
+      <p:nvGrpSpPr>
+        <p:cNvPr id="1" name=""/>
+        <p:cNvGrpSpPr/>
+        <p:nvPr/>
+      </p:nvGrpSpPr>
+      <p:grpSpPr>
+        <a:xfrm>
+          <a:off x="0" y="0"/>
+          <a:ext cx="0" cy="0"/>
+          <a:chOff x="0" y="0"/>
+          <a:chExt cx="0" cy="0"/>
+        </a:xfrm>
+      </p:grpSpPr>
+      <p:pic>
+        <p:nvPicPr>
+          <p:cNvPr id="15" name="Picture 14" descr="Screen Shot 2018-03-21 at 16.19.01.png"/>
+          <p:cNvPicPr>
+            <a:picLocks noChangeAspect="1"/>
+          </p:cNvPicPr>
+          <p:nvPr/>
+        </p:nvPicPr>
+        <p:blipFill rotWithShape="1">
+          <a:blip r:embed="rId2">
+            <a:extLst>
+              <a:ext uri="{BEBA8EAE-BF5A-486C-A8C5-ECC9F3942E4B}">
+                <a14:imgProps xmlns:a14="http://schemas.microsoft.com/office/drawing/2010/main">
+                  <a14:imgLayer r:embed="rId3">
+                    <a14:imgEffect>
+                      <a14:backgroundRemoval t="1646" b="99370" l="2613" r="99387">
+                        <a14:foregroundMark x1="14387" y1="49090" x2="14387" y2="49090"/>
+                      </a14:backgroundRemoval>
+                    </a14:imgEffect>
+                  </a14:imgLayer>
+                </a14:imgProps>
+              </a:ext>
+              <a:ext uri="{28A0092B-C50C-407E-A947-70E740481C1C}">
+                <a14:useLocalDpi xmlns:a14="http://schemas.microsoft.com/office/drawing/2010/main" val="0"/>
+              </a:ext>
+            </a:extLst>
+          </a:blip>
+          <a:srcRect t="1" b="632"/>
+          <a:stretch/>
+        </p:blipFill>
+        <p:spPr>
+          <a:xfrm>
+            <a:off x="775021" y="778643"/>
+            <a:ext cx="2147890" cy="1966305"/>
+          </a:xfrm>
+          <a:prstGeom prst="rect">
+            <a:avLst/>
+          </a:prstGeom>
+          <a:effectLst>
+            <a:outerShdw blurRad="50800" dist="38100" dir="2700000" algn="tl" rotWithShape="0">
+              <a:prstClr val="black">
+                <a:alpha val="40000"/>
+              </a:prstClr>
+            </a:outerShdw>
+          </a:effectLst>
+        </p:spPr>
+      </p:pic>
+      <p:sp>
+        <p:nvSpPr>
+          <p:cNvPr id="16" name="TextBox 15"/>
+          <p:cNvSpPr txBox="1"/>
+          <p:nvPr/>
+        </p:nvSpPr>
+        <p:spPr>
+          <a:xfrm>
+            <a:off x="2460067" y="570756"/>
+            <a:ext cx="2646717" cy="2308324"/>
+          </a:xfrm>
+          <a:prstGeom prst="rect">
+            <a:avLst/>
+          </a:prstGeom>
+          <a:noFill/>
+        </p:spPr>
+        <p:txBody>
+          <a:bodyPr wrap="square" rtlCol="0">
+            <a:spAutoFit/>
+          </a:bodyPr>
+          <a:lstStyle/>
+          <a:p>
+            <a:pPr algn="r"/>
+            <a:r>
+              <a:rPr lang="en-US" sz="3200" b="1" dirty="0" smtClean="0">
+                <a:latin typeface="Eurostile"/>
+                <a:cs typeface="Eurostile"/>
+              </a:rPr>
+              <a:t>SplitsTree5</a:t>
+            </a:r>
+          </a:p>
+          <a:p>
+            <a:pPr algn="r"/>
+            <a:endParaRPr lang="en-US" sz="3200" b="1" dirty="0" smtClean="0">
+              <a:latin typeface="Eurostile"/>
+              <a:cs typeface="Eurostile"/>
+            </a:endParaRPr>
+          </a:p>
+          <a:p>
+            <a:pPr algn="r"/>
+            <a:r>
+              <a:rPr lang="en-US" sz="2400" dirty="0" smtClean="0">
+                <a:latin typeface="Eurostile"/>
+                <a:cs typeface="Eurostile"/>
+              </a:rPr>
+              <a:t>by Daniel H. Huson</a:t>
+            </a:r>
+          </a:p>
+          <a:p>
+            <a:pPr algn="r"/>
+            <a:r>
+              <a:rPr lang="en-US" sz="2400" dirty="0" smtClean="0">
+                <a:latin typeface="Eurostile"/>
+                <a:cs typeface="Eurostile"/>
+              </a:rPr>
+              <a:t>&amp; David J. Bryant</a:t>
+            </a:r>
+          </a:p>
+          <a:p>
+            <a:pPr algn="r"/>
+            <a:r>
+              <a:rPr lang="en-US" sz="1600" dirty="0" smtClean="0">
+                <a:latin typeface="Eurostile"/>
+                <a:cs typeface="Eurostile"/>
+              </a:rPr>
+              <a:t>with contributions from</a:t>
+            </a:r>
+          </a:p>
+          <a:p>
+            <a:pPr algn="r"/>
+            <a:r>
+              <a:rPr lang="en-US" sz="1600" dirty="0" err="1" smtClean="0">
+                <a:latin typeface="Eurostile"/>
+                <a:cs typeface="Eurostile"/>
+              </a:rPr>
+              <a:t>Daria</a:t>
+            </a:r>
+            <a:r>
+              <a:rPr lang="en-US" sz="1600" dirty="0" smtClean="0">
+                <a:latin typeface="Eurostile"/>
+                <a:cs typeface="Eurostile"/>
+              </a:rPr>
+              <a:t> </a:t>
+            </a:r>
+            <a:r>
+              <a:rPr lang="en-US" sz="1600" dirty="0" err="1" smtClean="0">
+                <a:latin typeface="Eurostile"/>
+                <a:cs typeface="Eurostile"/>
+              </a:rPr>
+              <a:t>Evseeva</a:t>
+            </a:r>
+            <a:r>
+              <a:rPr lang="en-US" sz="1600" dirty="0" smtClean="0">
+                <a:latin typeface="Eurostile"/>
+                <a:cs typeface="Eurostile"/>
+              </a:rPr>
+              <a:t> &amp; others.</a:t>
+            </a:r>
+            <a:endParaRPr lang="en-US" sz="1600" dirty="0">
+              <a:latin typeface="Eurostile"/>
+              <a:cs typeface="Eurostile"/>
+            </a:endParaRPr>
+          </a:p>
+        </p:txBody>
+      </p:sp>
+      <p:sp>
+        <p:nvSpPr>
+          <p:cNvPr id="17" name="TextBox 16"/>
+          <p:cNvSpPr txBox="1"/>
+          <p:nvPr/>
+        </p:nvSpPr>
+        <p:spPr>
+          <a:xfrm>
+            <a:off x="3385092" y="1029981"/>
+            <a:ext cx="1719291" cy="261610"/>
+          </a:xfrm>
+          <a:prstGeom prst="rect">
+            <a:avLst/>
+          </a:prstGeom>
+          <a:noFill/>
+        </p:spPr>
+        <p:txBody>
+          <a:bodyPr wrap="none" rtlCol="0">
+            <a:spAutoFit/>
+          </a:bodyPr>
+          <a:lstStyle/>
+          <a:p>
+            <a:r>
+              <a:rPr lang="en-US" sz="1100" dirty="0" smtClean="0">
+                <a:latin typeface="Eurostile"/>
+                <a:cs typeface="Eurostile"/>
+              </a:rPr>
+              <a:t>Released 2018, GNU GPL</a:t>
+            </a:r>
+            <a:endParaRPr lang="en-US" sz="1100" dirty="0">
+              <a:latin typeface="Eurostile"/>
+              <a:cs typeface="Eurostile"/>
+            </a:endParaRPr>
+          </a:p>
+        </p:txBody>
+      </p:sp>
+    </p:spTree>
+    <p:extLst>
+      <p:ext uri="{BB962C8B-B14F-4D97-AF65-F5344CB8AC3E}">
+        <p14:creationId xmlns:p14="http://schemas.microsoft.com/office/powerpoint/2010/main" val="755083042"/>
+      </p:ext>
+    </p:extLst>
+  </p:cSld>
+  <p:clrMapOvr>
+    <a:masterClrMapping/>
+  </p:clrMapOvr>
+</p:sld>
+</file>
+
 <file path=ppt/theme/theme1.xml><?xml version="1.0" encoding="utf-8"?>
 <a:theme xmlns:a="http://schemas.openxmlformats.org/drawingml/2006/main" name="Office Theme">
   <a:themeElements>

--- a/artwork/SplitsTree5-icon.pptx
+++ b/artwork/SplitsTree5-icon.pptx
@@ -105,6 +105,22 @@
       </a:defRPr>
     </a:lvl9pPr>
   </p:defaultTextStyle>
+  <p:extLst>
+    <p:ext uri="{EFAFB233-063F-42B5-8137-9DF3F51BA10A}">
+      <p15:sldGuideLst xmlns:p15="http://schemas.microsoft.com/office/powerpoint/2012/main">
+        <p15:guide id="1" orient="horz" pos="2160">
+          <p15:clr>
+            <a:srgbClr val="A4A3A4"/>
+          </p15:clr>
+        </p15:guide>
+        <p15:guide id="2" pos="2880">
+          <p15:clr>
+            <a:srgbClr val="A4A3A4"/>
+          </p15:clr>
+        </p15:guide>
+      </p15:sldGuideLst>
+    </p:ext>
+  </p:extLst>
 </p:presentation>
 </file>
 
@@ -146,10 +162,9 @@
           <a:lstStyle/>
           <a:p>
             <a:r>
-              <a:rPr lang="en-US" smtClean="0"/>
+              <a:rPr lang="en-US"/>
               <a:t>Click to edit Master title style</a:t>
             </a:r>
-            <a:endParaRPr lang="en-US"/>
           </a:p>
         </p:txBody>
       </p:sp>
@@ -265,10 +280,9 @@
           </a:lstStyle>
           <a:p>
             <a:r>
-              <a:rPr lang="en-US" smtClean="0"/>
+              <a:rPr lang="en-US"/>
               <a:t>Click to edit Master subtitle style</a:t>
             </a:r>
-            <a:endParaRPr lang="en-US"/>
           </a:p>
         </p:txBody>
       </p:sp>
@@ -289,7 +303,7 @@
           <a:p>
             <a:fld id="{1C8BF6C4-08AF-5841-8054-716EACEF0073}" type="datetimeFigureOut">
               <a:rPr lang="en-US" smtClean="0"/>
-              <a:t>3/21/18</a:t>
+              <a:t>9/8/21</a:t>
             </a:fld>
             <a:endParaRPr lang="en-US"/>
           </a:p>
@@ -383,10 +397,9 @@
           <a:lstStyle/>
           <a:p>
             <a:r>
-              <a:rPr lang="en-US" smtClean="0"/>
+              <a:rPr lang="en-US"/>
               <a:t>Click to edit Master title style</a:t>
             </a:r>
-            <a:endParaRPr lang="en-US"/>
           </a:p>
         </p:txBody>
       </p:sp>
@@ -407,38 +420,37 @@
           <a:p>
             <a:pPr lvl="0"/>
             <a:r>
-              <a:rPr lang="en-US" smtClean="0"/>
+              <a:rPr lang="en-US"/>
               <a:t>Click to edit Master text styles</a:t>
             </a:r>
           </a:p>
           <a:p>
             <a:pPr lvl="1"/>
             <a:r>
-              <a:rPr lang="en-US" smtClean="0"/>
+              <a:rPr lang="en-US"/>
               <a:t>Second level</a:t>
             </a:r>
           </a:p>
           <a:p>
             <a:pPr lvl="2"/>
             <a:r>
-              <a:rPr lang="en-US" smtClean="0"/>
+              <a:rPr lang="en-US"/>
               <a:t>Third level</a:t>
             </a:r>
           </a:p>
           <a:p>
             <a:pPr lvl="3"/>
             <a:r>
-              <a:rPr lang="en-US" smtClean="0"/>
+              <a:rPr lang="en-US"/>
               <a:t>Fourth level</a:t>
             </a:r>
           </a:p>
           <a:p>
             <a:pPr lvl="4"/>
             <a:r>
-              <a:rPr lang="en-US" smtClean="0"/>
+              <a:rPr lang="en-US"/>
               <a:t>Fifth level</a:t>
             </a:r>
-            <a:endParaRPr lang="en-US"/>
           </a:p>
         </p:txBody>
       </p:sp>
@@ -459,7 +471,7 @@
           <a:p>
             <a:fld id="{1C8BF6C4-08AF-5841-8054-716EACEF0073}" type="datetimeFigureOut">
               <a:rPr lang="en-US" smtClean="0"/>
-              <a:t>3/21/18</a:t>
+              <a:t>9/8/21</a:t>
             </a:fld>
             <a:endParaRPr lang="en-US"/>
           </a:p>
@@ -558,10 +570,9 @@
           <a:lstStyle/>
           <a:p>
             <a:r>
-              <a:rPr lang="en-US" smtClean="0"/>
+              <a:rPr lang="en-US"/>
               <a:t>Click to edit Master title style</a:t>
             </a:r>
-            <a:endParaRPr lang="en-US"/>
           </a:p>
         </p:txBody>
       </p:sp>
@@ -587,38 +598,37 @@
           <a:p>
             <a:pPr lvl="0"/>
             <a:r>
-              <a:rPr lang="en-US" smtClean="0"/>
+              <a:rPr lang="en-US"/>
               <a:t>Click to edit Master text styles</a:t>
             </a:r>
           </a:p>
           <a:p>
             <a:pPr lvl="1"/>
             <a:r>
-              <a:rPr lang="en-US" smtClean="0"/>
+              <a:rPr lang="en-US"/>
               <a:t>Second level</a:t>
             </a:r>
           </a:p>
           <a:p>
             <a:pPr lvl="2"/>
             <a:r>
-              <a:rPr lang="en-US" smtClean="0"/>
+              <a:rPr lang="en-US"/>
               <a:t>Third level</a:t>
             </a:r>
           </a:p>
           <a:p>
             <a:pPr lvl="3"/>
             <a:r>
-              <a:rPr lang="en-US" smtClean="0"/>
+              <a:rPr lang="en-US"/>
               <a:t>Fourth level</a:t>
             </a:r>
           </a:p>
           <a:p>
             <a:pPr lvl="4"/>
             <a:r>
-              <a:rPr lang="en-US" smtClean="0"/>
+              <a:rPr lang="en-US"/>
               <a:t>Fifth level</a:t>
             </a:r>
-            <a:endParaRPr lang="en-US"/>
           </a:p>
         </p:txBody>
       </p:sp>
@@ -639,7 +649,7 @@
           <a:p>
             <a:fld id="{1C8BF6C4-08AF-5841-8054-716EACEF0073}" type="datetimeFigureOut">
               <a:rPr lang="en-US" smtClean="0"/>
-              <a:t>3/21/18</a:t>
+              <a:t>9/8/21</a:t>
             </a:fld>
             <a:endParaRPr lang="en-US"/>
           </a:p>
@@ -733,10 +743,9 @@
           <a:lstStyle/>
           <a:p>
             <a:r>
-              <a:rPr lang="en-US" smtClean="0"/>
+              <a:rPr lang="en-US"/>
               <a:t>Click to edit Master title style</a:t>
             </a:r>
-            <a:endParaRPr lang="en-US"/>
           </a:p>
         </p:txBody>
       </p:sp>
@@ -757,38 +766,37 @@
           <a:p>
             <a:pPr lvl="0"/>
             <a:r>
-              <a:rPr lang="en-US" smtClean="0"/>
+              <a:rPr lang="en-US"/>
               <a:t>Click to edit Master text styles</a:t>
             </a:r>
           </a:p>
           <a:p>
             <a:pPr lvl="1"/>
             <a:r>
-              <a:rPr lang="en-US" smtClean="0"/>
+              <a:rPr lang="en-US"/>
               <a:t>Second level</a:t>
             </a:r>
           </a:p>
           <a:p>
             <a:pPr lvl="2"/>
             <a:r>
-              <a:rPr lang="en-US" smtClean="0"/>
+              <a:rPr lang="en-US"/>
               <a:t>Third level</a:t>
             </a:r>
           </a:p>
           <a:p>
             <a:pPr lvl="3"/>
             <a:r>
-              <a:rPr lang="en-US" smtClean="0"/>
+              <a:rPr lang="en-US"/>
               <a:t>Fourth level</a:t>
             </a:r>
           </a:p>
           <a:p>
             <a:pPr lvl="4"/>
             <a:r>
-              <a:rPr lang="en-US" smtClean="0"/>
+              <a:rPr lang="en-US"/>
               <a:t>Fifth level</a:t>
             </a:r>
-            <a:endParaRPr lang="en-US"/>
           </a:p>
         </p:txBody>
       </p:sp>
@@ -809,7 +817,7 @@
           <a:p>
             <a:fld id="{1C8BF6C4-08AF-5841-8054-716EACEF0073}" type="datetimeFigureOut">
               <a:rPr lang="en-US" smtClean="0"/>
-              <a:t>3/21/18</a:t>
+              <a:t>9/8/21</a:t>
             </a:fld>
             <a:endParaRPr lang="en-US"/>
           </a:p>
@@ -912,10 +920,9 @@
           </a:lstStyle>
           <a:p>
             <a:r>
-              <a:rPr lang="en-US" smtClean="0"/>
+              <a:rPr lang="en-US"/>
               <a:t>Click to edit Master title style</a:t>
             </a:r>
-            <a:endParaRPr lang="en-US"/>
           </a:p>
         </p:txBody>
       </p:sp>
@@ -1032,7 +1039,7 @@
           <a:p>
             <a:pPr lvl="0"/>
             <a:r>
-              <a:rPr lang="en-US" smtClean="0"/>
+              <a:rPr lang="en-US"/>
               <a:t>Click to edit Master text styles</a:t>
             </a:r>
           </a:p>
@@ -1055,7 +1062,7 @@
           <a:p>
             <a:fld id="{1C8BF6C4-08AF-5841-8054-716EACEF0073}" type="datetimeFigureOut">
               <a:rPr lang="en-US" smtClean="0"/>
-              <a:t>3/21/18</a:t>
+              <a:t>9/8/21</a:t>
             </a:fld>
             <a:endParaRPr lang="en-US"/>
           </a:p>
@@ -1149,10 +1156,9 @@
           <a:lstStyle/>
           <a:p>
             <a:r>
-              <a:rPr lang="en-US" smtClean="0"/>
+              <a:rPr lang="en-US"/>
               <a:t>Click to edit Master title style</a:t>
             </a:r>
-            <a:endParaRPr lang="en-US"/>
           </a:p>
         </p:txBody>
       </p:sp>
@@ -1206,38 +1212,37 @@
           <a:p>
             <a:pPr lvl="0"/>
             <a:r>
-              <a:rPr lang="en-US" smtClean="0"/>
+              <a:rPr lang="en-US"/>
               <a:t>Click to edit Master text styles</a:t>
             </a:r>
           </a:p>
           <a:p>
             <a:pPr lvl="1"/>
             <a:r>
-              <a:rPr lang="en-US" smtClean="0"/>
+              <a:rPr lang="en-US"/>
               <a:t>Second level</a:t>
             </a:r>
           </a:p>
           <a:p>
             <a:pPr lvl="2"/>
             <a:r>
-              <a:rPr lang="en-US" smtClean="0"/>
+              <a:rPr lang="en-US"/>
               <a:t>Third level</a:t>
             </a:r>
           </a:p>
           <a:p>
             <a:pPr lvl="3"/>
             <a:r>
-              <a:rPr lang="en-US" smtClean="0"/>
+              <a:rPr lang="en-US"/>
               <a:t>Fourth level</a:t>
             </a:r>
           </a:p>
           <a:p>
             <a:pPr lvl="4"/>
             <a:r>
-              <a:rPr lang="en-US" smtClean="0"/>
+              <a:rPr lang="en-US"/>
               <a:t>Fifth level</a:t>
             </a:r>
-            <a:endParaRPr lang="en-US"/>
           </a:p>
         </p:txBody>
       </p:sp>
@@ -1291,38 +1296,37 @@
           <a:p>
             <a:pPr lvl="0"/>
             <a:r>
-              <a:rPr lang="en-US" smtClean="0"/>
+              <a:rPr lang="en-US"/>
               <a:t>Click to edit Master text styles</a:t>
             </a:r>
           </a:p>
           <a:p>
             <a:pPr lvl="1"/>
             <a:r>
-              <a:rPr lang="en-US" smtClean="0"/>
+              <a:rPr lang="en-US"/>
               <a:t>Second level</a:t>
             </a:r>
           </a:p>
           <a:p>
             <a:pPr lvl="2"/>
             <a:r>
-              <a:rPr lang="en-US" smtClean="0"/>
+              <a:rPr lang="en-US"/>
               <a:t>Third level</a:t>
             </a:r>
           </a:p>
           <a:p>
             <a:pPr lvl="3"/>
             <a:r>
-              <a:rPr lang="en-US" smtClean="0"/>
+              <a:rPr lang="en-US"/>
               <a:t>Fourth level</a:t>
             </a:r>
           </a:p>
           <a:p>
             <a:pPr lvl="4"/>
             <a:r>
-              <a:rPr lang="en-US" smtClean="0"/>
+              <a:rPr lang="en-US"/>
               <a:t>Fifth level</a:t>
             </a:r>
-            <a:endParaRPr lang="en-US"/>
           </a:p>
         </p:txBody>
       </p:sp>
@@ -1343,7 +1347,7 @@
           <a:p>
             <a:fld id="{1C8BF6C4-08AF-5841-8054-716EACEF0073}" type="datetimeFigureOut">
               <a:rPr lang="en-US" smtClean="0"/>
-              <a:t>3/21/18</a:t>
+              <a:t>9/8/21</a:t>
             </a:fld>
             <a:endParaRPr lang="en-US"/>
           </a:p>
@@ -1441,10 +1445,9 @@
           </a:lstStyle>
           <a:p>
             <a:r>
-              <a:rPr lang="en-US" smtClean="0"/>
+              <a:rPr lang="en-US"/>
               <a:t>Click to edit Master title style</a:t>
             </a:r>
-            <a:endParaRPr lang="en-US"/>
           </a:p>
         </p:txBody>
       </p:sp>
@@ -1507,7 +1510,7 @@
           <a:p>
             <a:pPr lvl="0"/>
             <a:r>
-              <a:rPr lang="en-US" smtClean="0"/>
+              <a:rPr lang="en-US"/>
               <a:t>Click to edit Master text styles</a:t>
             </a:r>
           </a:p>
@@ -1563,38 +1566,37 @@
           <a:p>
             <a:pPr lvl="0"/>
             <a:r>
-              <a:rPr lang="en-US" smtClean="0"/>
+              <a:rPr lang="en-US"/>
               <a:t>Click to edit Master text styles</a:t>
             </a:r>
           </a:p>
           <a:p>
             <a:pPr lvl="1"/>
             <a:r>
-              <a:rPr lang="en-US" smtClean="0"/>
+              <a:rPr lang="en-US"/>
               <a:t>Second level</a:t>
             </a:r>
           </a:p>
           <a:p>
             <a:pPr lvl="2"/>
             <a:r>
-              <a:rPr lang="en-US" smtClean="0"/>
+              <a:rPr lang="en-US"/>
               <a:t>Third level</a:t>
             </a:r>
           </a:p>
           <a:p>
             <a:pPr lvl="3"/>
             <a:r>
-              <a:rPr lang="en-US" smtClean="0"/>
+              <a:rPr lang="en-US"/>
               <a:t>Fourth level</a:t>
             </a:r>
           </a:p>
           <a:p>
             <a:pPr lvl="4"/>
             <a:r>
-              <a:rPr lang="en-US" smtClean="0"/>
+              <a:rPr lang="en-US"/>
               <a:t>Fifth level</a:t>
             </a:r>
-            <a:endParaRPr lang="en-US"/>
           </a:p>
         </p:txBody>
       </p:sp>
@@ -1657,7 +1659,7 @@
           <a:p>
             <a:pPr lvl="0"/>
             <a:r>
-              <a:rPr lang="en-US" smtClean="0"/>
+              <a:rPr lang="en-US"/>
               <a:t>Click to edit Master text styles</a:t>
             </a:r>
           </a:p>
@@ -1713,38 +1715,37 @@
           <a:p>
             <a:pPr lvl="0"/>
             <a:r>
-              <a:rPr lang="en-US" smtClean="0"/>
+              <a:rPr lang="en-US"/>
               <a:t>Click to edit Master text styles</a:t>
             </a:r>
           </a:p>
           <a:p>
             <a:pPr lvl="1"/>
             <a:r>
-              <a:rPr lang="en-US" smtClean="0"/>
+              <a:rPr lang="en-US"/>
               <a:t>Second level</a:t>
             </a:r>
           </a:p>
           <a:p>
             <a:pPr lvl="2"/>
             <a:r>
-              <a:rPr lang="en-US" smtClean="0"/>
+              <a:rPr lang="en-US"/>
               <a:t>Third level</a:t>
             </a:r>
           </a:p>
           <a:p>
             <a:pPr lvl="3"/>
             <a:r>
-              <a:rPr lang="en-US" smtClean="0"/>
+              <a:rPr lang="en-US"/>
               <a:t>Fourth level</a:t>
             </a:r>
           </a:p>
           <a:p>
             <a:pPr lvl="4"/>
             <a:r>
-              <a:rPr lang="en-US" smtClean="0"/>
+              <a:rPr lang="en-US"/>
               <a:t>Fifth level</a:t>
             </a:r>
-            <a:endParaRPr lang="en-US"/>
           </a:p>
         </p:txBody>
       </p:sp>
@@ -1765,7 +1766,7 @@
           <a:p>
             <a:fld id="{1C8BF6C4-08AF-5841-8054-716EACEF0073}" type="datetimeFigureOut">
               <a:rPr lang="en-US" smtClean="0"/>
-              <a:t>3/21/18</a:t>
+              <a:t>9/8/21</a:t>
             </a:fld>
             <a:endParaRPr lang="en-US"/>
           </a:p>
@@ -1859,10 +1860,9 @@
           <a:lstStyle/>
           <a:p>
             <a:r>
-              <a:rPr lang="en-US" smtClean="0"/>
+              <a:rPr lang="en-US"/>
               <a:t>Click to edit Master title style</a:t>
             </a:r>
-            <a:endParaRPr lang="en-US"/>
           </a:p>
         </p:txBody>
       </p:sp>
@@ -1883,7 +1883,7 @@
           <a:p>
             <a:fld id="{1C8BF6C4-08AF-5841-8054-716EACEF0073}" type="datetimeFigureOut">
               <a:rPr lang="en-US" smtClean="0"/>
-              <a:t>3/21/18</a:t>
+              <a:t>9/8/21</a:t>
             </a:fld>
             <a:endParaRPr lang="en-US"/>
           </a:p>
@@ -1978,7 +1978,7 @@
           <a:p>
             <a:fld id="{1C8BF6C4-08AF-5841-8054-716EACEF0073}" type="datetimeFigureOut">
               <a:rPr lang="en-US" smtClean="0"/>
-              <a:t>3/21/18</a:t>
+              <a:t>9/8/21</a:t>
             </a:fld>
             <a:endParaRPr lang="en-US"/>
           </a:p>
@@ -2081,10 +2081,9 @@
           </a:lstStyle>
           <a:p>
             <a:r>
-              <a:rPr lang="en-US" smtClean="0"/>
+              <a:rPr lang="en-US"/>
               <a:t>Click to edit Master title style</a:t>
             </a:r>
-            <a:endParaRPr lang="en-US"/>
           </a:p>
         </p:txBody>
       </p:sp>
@@ -2138,38 +2137,37 @@
           <a:p>
             <a:pPr lvl="0"/>
             <a:r>
-              <a:rPr lang="en-US" smtClean="0"/>
+              <a:rPr lang="en-US"/>
               <a:t>Click to edit Master text styles</a:t>
             </a:r>
           </a:p>
           <a:p>
             <a:pPr lvl="1"/>
             <a:r>
-              <a:rPr lang="en-US" smtClean="0"/>
+              <a:rPr lang="en-US"/>
               <a:t>Second level</a:t>
             </a:r>
           </a:p>
           <a:p>
             <a:pPr lvl="2"/>
             <a:r>
-              <a:rPr lang="en-US" smtClean="0"/>
+              <a:rPr lang="en-US"/>
               <a:t>Third level</a:t>
             </a:r>
           </a:p>
           <a:p>
             <a:pPr lvl="3"/>
             <a:r>
-              <a:rPr lang="en-US" smtClean="0"/>
+              <a:rPr lang="en-US"/>
               <a:t>Fourth level</a:t>
             </a:r>
           </a:p>
           <a:p>
             <a:pPr lvl="4"/>
             <a:r>
-              <a:rPr lang="en-US" smtClean="0"/>
+              <a:rPr lang="en-US"/>
               <a:t>Fifth level</a:t>
             </a:r>
-            <a:endParaRPr lang="en-US"/>
           </a:p>
         </p:txBody>
       </p:sp>
@@ -2232,7 +2230,7 @@
           <a:p>
             <a:pPr lvl="0"/>
             <a:r>
-              <a:rPr lang="en-US" smtClean="0"/>
+              <a:rPr lang="en-US"/>
               <a:t>Click to edit Master text styles</a:t>
             </a:r>
           </a:p>
@@ -2255,7 +2253,7 @@
           <a:p>
             <a:fld id="{1C8BF6C4-08AF-5841-8054-716EACEF0073}" type="datetimeFigureOut">
               <a:rPr lang="en-US" smtClean="0"/>
-              <a:t>3/21/18</a:t>
+              <a:t>9/8/21</a:t>
             </a:fld>
             <a:endParaRPr lang="en-US"/>
           </a:p>
@@ -2358,10 +2356,9 @@
           </a:lstStyle>
           <a:p>
             <a:r>
-              <a:rPr lang="en-US" smtClean="0"/>
+              <a:rPr lang="en-US"/>
               <a:t>Click to edit Master title style</a:t>
             </a:r>
-            <a:endParaRPr lang="en-US"/>
           </a:p>
         </p:txBody>
       </p:sp>
@@ -2485,7 +2482,7 @@
           <a:p>
             <a:pPr lvl="0"/>
             <a:r>
-              <a:rPr lang="en-US" smtClean="0"/>
+              <a:rPr lang="en-US"/>
               <a:t>Click to edit Master text styles</a:t>
             </a:r>
           </a:p>
@@ -2508,7 +2505,7 @@
           <a:p>
             <a:fld id="{1C8BF6C4-08AF-5841-8054-716EACEF0073}" type="datetimeFigureOut">
               <a:rPr lang="en-US" smtClean="0"/>
-              <a:t>3/21/18</a:t>
+              <a:t>9/8/21</a:t>
             </a:fld>
             <a:endParaRPr lang="en-US"/>
           </a:p>
@@ -2617,10 +2614,9 @@
           <a:lstStyle/>
           <a:p>
             <a:r>
-              <a:rPr lang="en-US" smtClean="0"/>
+              <a:rPr lang="en-US"/>
               <a:t>Click to edit Master title style</a:t>
             </a:r>
-            <a:endParaRPr lang="en-US"/>
           </a:p>
         </p:txBody>
       </p:sp>
@@ -2651,38 +2647,37 @@
           <a:p>
             <a:pPr lvl="0"/>
             <a:r>
-              <a:rPr lang="en-US" smtClean="0"/>
+              <a:rPr lang="en-US"/>
               <a:t>Click to edit Master text styles</a:t>
             </a:r>
           </a:p>
           <a:p>
             <a:pPr lvl="1"/>
             <a:r>
-              <a:rPr lang="en-US" smtClean="0"/>
+              <a:rPr lang="en-US"/>
               <a:t>Second level</a:t>
             </a:r>
           </a:p>
           <a:p>
             <a:pPr lvl="2"/>
             <a:r>
-              <a:rPr lang="en-US" smtClean="0"/>
+              <a:rPr lang="en-US"/>
               <a:t>Third level</a:t>
             </a:r>
           </a:p>
           <a:p>
             <a:pPr lvl="3"/>
             <a:r>
-              <a:rPr lang="en-US" smtClean="0"/>
+              <a:rPr lang="en-US"/>
               <a:t>Fourth level</a:t>
             </a:r>
           </a:p>
           <a:p>
             <a:pPr lvl="4"/>
             <a:r>
-              <a:rPr lang="en-US" smtClean="0"/>
+              <a:rPr lang="en-US"/>
               <a:t>Fifth level</a:t>
             </a:r>
-            <a:endParaRPr lang="en-US"/>
           </a:p>
         </p:txBody>
       </p:sp>
@@ -2721,7 +2716,7 @@
           <a:p>
             <a:fld id="{1C8BF6C4-08AF-5841-8054-716EACEF0073}" type="datetimeFigureOut">
               <a:rPr lang="en-US" smtClean="0"/>
-              <a:t>3/21/18</a:t>
+              <a:t>9/8/21</a:t>
             </a:fld>
             <a:endParaRPr lang="en-US"/>
           </a:p>
@@ -3908,7 +3903,7 @@
           <a:p>
             <a:pPr algn="r"/>
             <a:r>
-              <a:rPr lang="en-US" sz="3200" b="1" dirty="0" smtClean="0">
+              <a:rPr lang="en-US" sz="3200" b="1" dirty="0">
                 <a:latin typeface="Eurostile"/>
                 <a:cs typeface="Eurostile"/>
               </a:rPr>
@@ -3917,7 +3912,7 @@
           </a:p>
           <a:p>
             <a:pPr algn="r"/>
-            <a:endParaRPr lang="en-US" sz="3200" b="1" dirty="0" smtClean="0">
+            <a:endParaRPr lang="en-US" sz="3200" b="1" dirty="0">
               <a:latin typeface="Eurostile"/>
               <a:cs typeface="Eurostile"/>
             </a:endParaRPr>
@@ -3925,7 +3920,7 @@
           <a:p>
             <a:pPr algn="r"/>
             <a:r>
-              <a:rPr lang="en-US" sz="2400" dirty="0" smtClean="0">
+              <a:rPr lang="en-US" sz="2400" dirty="0">
                 <a:latin typeface="Eurostile"/>
                 <a:cs typeface="Eurostile"/>
               </a:rPr>
@@ -3935,7 +3930,7 @@
           <a:p>
             <a:pPr algn="r"/>
             <a:r>
-              <a:rPr lang="en-US" sz="2400" dirty="0" smtClean="0">
+              <a:rPr lang="en-US" sz="2400" dirty="0">
                 <a:latin typeface="Eurostile"/>
                 <a:cs typeface="Eurostile"/>
               </a:rPr>
@@ -3945,7 +3940,7 @@
           <a:p>
             <a:pPr algn="r"/>
             <a:r>
-              <a:rPr lang="en-US" sz="1600" dirty="0" smtClean="0">
+              <a:rPr lang="en-US" sz="1600" dirty="0">
                 <a:latin typeface="Eurostile"/>
                 <a:cs typeface="Eurostile"/>
               </a:rPr>
@@ -3955,37 +3950,33 @@
           <a:p>
             <a:pPr algn="r"/>
             <a:r>
-              <a:rPr lang="en-US" sz="1600" dirty="0" err="1" smtClean="0">
+              <a:rPr lang="en-US" sz="1600" dirty="0" err="1">
                 <a:latin typeface="Eurostile"/>
                 <a:cs typeface="Eurostile"/>
               </a:rPr>
               <a:t>Daria</a:t>
             </a:r>
             <a:r>
-              <a:rPr lang="en-US" sz="1600" dirty="0" smtClean="0">
+              <a:rPr lang="en-US" sz="1600" dirty="0">
                 <a:latin typeface="Eurostile"/>
                 <a:cs typeface="Eurostile"/>
               </a:rPr>
               <a:t> </a:t>
             </a:r>
             <a:r>
-              <a:rPr lang="en-US" sz="1600" dirty="0" err="1" smtClean="0">
+              <a:rPr lang="en-US" sz="1600" dirty="0" err="1">
                 <a:latin typeface="Eurostile"/>
                 <a:cs typeface="Eurostile"/>
               </a:rPr>
               <a:t>Evseeva</a:t>
             </a:r>
             <a:r>
-              <a:rPr lang="en-US" sz="1600" dirty="0" smtClean="0">
+              <a:rPr lang="en-US" sz="1600" dirty="0">
                 <a:latin typeface="Eurostile"/>
                 <a:cs typeface="Eurostile"/>
               </a:rPr>
               <a:t> &amp; others.</a:t>
             </a:r>
-            <a:endParaRPr lang="en-US" sz="1600" dirty="0">
-              <a:latin typeface="Eurostile"/>
-              <a:cs typeface="Eurostile"/>
-            </a:endParaRPr>
           </a:p>
         </p:txBody>
       </p:sp>
@@ -3997,8 +3988,8 @@
         </p:nvSpPr>
         <p:spPr>
           <a:xfrm>
-            <a:off x="3385092" y="1029981"/>
-            <a:ext cx="1719291" cy="261610"/>
+            <a:off x="4370685" y="998450"/>
+            <a:ext cx="736099" cy="261610"/>
           </a:xfrm>
           <a:prstGeom prst="rect">
             <a:avLst/>
@@ -4012,16 +4003,12 @@
           <a:lstStyle/>
           <a:p>
             <a:r>
-              <a:rPr lang="en-US" sz="1100" dirty="0" smtClean="0">
+              <a:rPr lang="en-US" sz="1100" dirty="0">
                 <a:latin typeface="Eurostile"/>
                 <a:cs typeface="Eurostile"/>
               </a:rPr>
-              <a:t>Released 2018, GNU GPL</a:t>
-            </a:r>
-            <a:endParaRPr lang="en-US" sz="1100" dirty="0">
-              <a:latin typeface="Eurostile"/>
-              <a:cs typeface="Eurostile"/>
-            </a:endParaRPr>
+              <a:t>GNU GPL</a:t>
+            </a:r>
           </a:p>
         </p:txBody>
       </p:sp>
